--- a/ppt 16-9/0895.在基督里我们是.pptx
+++ b/ppt 16-9/0895.在基督里我们是.pptx
@@ -5,7 +5,7 @@
     <p:sldMasterId id="2147483648" r:id="rId1"/>
   </p:sldMasterIdLst>
   <p:sldIdLst>
-    <p:sldId id="2216" r:id="rId2"/>
+    <p:sldId id="2217" r:id="rId2"/>
   </p:sldIdLst>
   <p:sldSz cx="12192000" cy="6858000"/>
   <p:notesSz cx="6858000" cy="9144000"/>
@@ -129,7 +129,7 @@
           <p:cNvPr id="2" name="标题 1">
             <a:extLst>
               <a:ext uri="{FF2B5EF4-FFF2-40B4-BE49-F238E27FC236}">
-                <a16:creationId xmlns:a16="http://schemas.microsoft.com/office/drawing/2014/main" id="{4C67E929-688E-4667-B950-D35A60C9BF3E}"/>
+                <a16:creationId xmlns:a16="http://schemas.microsoft.com/office/drawing/2014/main" id="{574DEB32-AE8C-DA0C-032D-9334026A8340}"/>
               </a:ext>
             </a:extLst>
           </p:cNvPr>
@@ -166,7 +166,7 @@
           <p:cNvPr id="3" name="副标题 2">
             <a:extLst>
               <a:ext uri="{FF2B5EF4-FFF2-40B4-BE49-F238E27FC236}">
-                <a16:creationId xmlns:a16="http://schemas.microsoft.com/office/drawing/2014/main" id="{79584A67-26E1-3509-576C-5F6197CE1F49}"/>
+                <a16:creationId xmlns:a16="http://schemas.microsoft.com/office/drawing/2014/main" id="{3A6B2955-2EEE-9069-5685-25616CBE05D0}"/>
               </a:ext>
             </a:extLst>
           </p:cNvPr>
@@ -236,7 +236,7 @@
           <p:cNvPr id="4" name="日期占位符 3">
             <a:extLst>
               <a:ext uri="{FF2B5EF4-FFF2-40B4-BE49-F238E27FC236}">
-                <a16:creationId xmlns:a16="http://schemas.microsoft.com/office/drawing/2014/main" id="{24908F3F-23C6-EEDC-D339-B7ECE561C7EA}"/>
+                <a16:creationId xmlns:a16="http://schemas.microsoft.com/office/drawing/2014/main" id="{93CAEBCB-6BDF-DB7A-3028-59FF49C60A20}"/>
               </a:ext>
             </a:extLst>
           </p:cNvPr>
@@ -252,7 +252,7 @@
           <a:bodyPr/>
           <a:lstStyle/>
           <a:p>
-            <a:fld id="{DC9EF10D-B27F-4F27-B056-FA045E8E19F9}" type="datetimeFigureOut">
+            <a:fld id="{19A73171-18FB-4439-A730-426682982FCA}" type="datetimeFigureOut">
               <a:rPr lang="zh-CN" altLang="en-US" smtClean="0"/>
               <a:t>2024/3/10</a:t>
             </a:fld>
@@ -265,7 +265,7 @@
           <p:cNvPr id="5" name="页脚占位符 4">
             <a:extLst>
               <a:ext uri="{FF2B5EF4-FFF2-40B4-BE49-F238E27FC236}">
-                <a16:creationId xmlns:a16="http://schemas.microsoft.com/office/drawing/2014/main" id="{59568919-4E49-536E-27CF-BD6DD0E4907B}"/>
+                <a16:creationId xmlns:a16="http://schemas.microsoft.com/office/drawing/2014/main" id="{82AE7CC2-F4ED-291B-92A3-74A701F7CC4B}"/>
               </a:ext>
             </a:extLst>
           </p:cNvPr>
@@ -290,7 +290,7 @@
           <p:cNvPr id="6" name="灯片编号占位符 5">
             <a:extLst>
               <a:ext uri="{FF2B5EF4-FFF2-40B4-BE49-F238E27FC236}">
-                <a16:creationId xmlns:a16="http://schemas.microsoft.com/office/drawing/2014/main" id="{30B14BC6-D1E2-5D18-CD95-44C95CDC1C58}"/>
+                <a16:creationId xmlns:a16="http://schemas.microsoft.com/office/drawing/2014/main" id="{AE93AAB1-75FF-0FE8-73C6-2D3B5E557191}"/>
               </a:ext>
             </a:extLst>
           </p:cNvPr>
@@ -306,7 +306,7 @@
           <a:bodyPr/>
           <a:lstStyle/>
           <a:p>
-            <a:fld id="{95567575-2352-4F9D-B404-CC37FE1FD8DC}" type="slidenum">
+            <a:fld id="{8713075A-6718-4D74-8DDF-63D826A2D0B6}" type="slidenum">
               <a:rPr lang="zh-CN" altLang="en-US" smtClean="0"/>
               <a:t>‹#›</a:t>
             </a:fld>
@@ -317,7 +317,7 @@
     </p:spTree>
     <p:extLst>
       <p:ext uri="{BB962C8B-B14F-4D97-AF65-F5344CB8AC3E}">
-        <p14:creationId xmlns:p14="http://schemas.microsoft.com/office/powerpoint/2010/main" val="1729324841"/>
+        <p14:creationId xmlns:p14="http://schemas.microsoft.com/office/powerpoint/2010/main" val="1576900676"/>
       </p:ext>
     </p:extLst>
   </p:cSld>
@@ -349,7 +349,7 @@
           <p:cNvPr id="2" name="标题 1">
             <a:extLst>
               <a:ext uri="{FF2B5EF4-FFF2-40B4-BE49-F238E27FC236}">
-                <a16:creationId xmlns:a16="http://schemas.microsoft.com/office/drawing/2014/main" id="{7EB48E61-114C-B187-929B-41FADE701B25}"/>
+                <a16:creationId xmlns:a16="http://schemas.microsoft.com/office/drawing/2014/main" id="{2B4EC998-624C-9957-DE56-B83C6C2AB519}"/>
               </a:ext>
             </a:extLst>
           </p:cNvPr>
@@ -377,7 +377,7 @@
           <p:cNvPr id="3" name="竖排文字占位符 2">
             <a:extLst>
               <a:ext uri="{FF2B5EF4-FFF2-40B4-BE49-F238E27FC236}">
-                <a16:creationId xmlns:a16="http://schemas.microsoft.com/office/drawing/2014/main" id="{BF686FA6-2B1E-9A31-15FD-AD4C604DD6AF}"/>
+                <a16:creationId xmlns:a16="http://schemas.microsoft.com/office/drawing/2014/main" id="{8FC085C8-6443-67B3-E1AF-EB83CE4D46E1}"/>
               </a:ext>
             </a:extLst>
           </p:cNvPr>
@@ -434,7 +434,7 @@
           <p:cNvPr id="4" name="日期占位符 3">
             <a:extLst>
               <a:ext uri="{FF2B5EF4-FFF2-40B4-BE49-F238E27FC236}">
-                <a16:creationId xmlns:a16="http://schemas.microsoft.com/office/drawing/2014/main" id="{9E35A266-38EA-466B-C567-8504E1B89F16}"/>
+                <a16:creationId xmlns:a16="http://schemas.microsoft.com/office/drawing/2014/main" id="{433C9EAF-F547-7A8B-EE2D-F00D8C5EEC80}"/>
               </a:ext>
             </a:extLst>
           </p:cNvPr>
@@ -450,7 +450,7 @@
           <a:bodyPr/>
           <a:lstStyle/>
           <a:p>
-            <a:fld id="{DC9EF10D-B27F-4F27-B056-FA045E8E19F9}" type="datetimeFigureOut">
+            <a:fld id="{19A73171-18FB-4439-A730-426682982FCA}" type="datetimeFigureOut">
               <a:rPr lang="zh-CN" altLang="en-US" smtClean="0"/>
               <a:t>2024/3/10</a:t>
             </a:fld>
@@ -463,7 +463,7 @@
           <p:cNvPr id="5" name="页脚占位符 4">
             <a:extLst>
               <a:ext uri="{FF2B5EF4-FFF2-40B4-BE49-F238E27FC236}">
-                <a16:creationId xmlns:a16="http://schemas.microsoft.com/office/drawing/2014/main" id="{A4EB00FC-2C99-2AD5-1540-D12201EE1D93}"/>
+                <a16:creationId xmlns:a16="http://schemas.microsoft.com/office/drawing/2014/main" id="{0FE9C5B2-4EA7-6925-CB27-FC8E425BDD5B}"/>
               </a:ext>
             </a:extLst>
           </p:cNvPr>
@@ -488,7 +488,7 @@
           <p:cNvPr id="6" name="灯片编号占位符 5">
             <a:extLst>
               <a:ext uri="{FF2B5EF4-FFF2-40B4-BE49-F238E27FC236}">
-                <a16:creationId xmlns:a16="http://schemas.microsoft.com/office/drawing/2014/main" id="{F1268AF5-9A55-EFE2-6A70-C896A1814981}"/>
+                <a16:creationId xmlns:a16="http://schemas.microsoft.com/office/drawing/2014/main" id="{FBFE751B-BEF9-EE8A-DAA3-DB46E34CAC1B}"/>
               </a:ext>
             </a:extLst>
           </p:cNvPr>
@@ -504,7 +504,7 @@
           <a:bodyPr/>
           <a:lstStyle/>
           <a:p>
-            <a:fld id="{95567575-2352-4F9D-B404-CC37FE1FD8DC}" type="slidenum">
+            <a:fld id="{8713075A-6718-4D74-8DDF-63D826A2D0B6}" type="slidenum">
               <a:rPr lang="zh-CN" altLang="en-US" smtClean="0"/>
               <a:t>‹#›</a:t>
             </a:fld>
@@ -515,7 +515,7 @@
     </p:spTree>
     <p:extLst>
       <p:ext uri="{BB962C8B-B14F-4D97-AF65-F5344CB8AC3E}">
-        <p14:creationId xmlns:p14="http://schemas.microsoft.com/office/powerpoint/2010/main" val="3000343979"/>
+        <p14:creationId xmlns:p14="http://schemas.microsoft.com/office/powerpoint/2010/main" val="1832525940"/>
       </p:ext>
     </p:extLst>
   </p:cSld>
@@ -547,7 +547,7 @@
           <p:cNvPr id="2" name="竖排标题 1">
             <a:extLst>
               <a:ext uri="{FF2B5EF4-FFF2-40B4-BE49-F238E27FC236}">
-                <a16:creationId xmlns:a16="http://schemas.microsoft.com/office/drawing/2014/main" id="{7CA83675-847D-C87A-5E40-E5027B8DD1C2}"/>
+                <a16:creationId xmlns:a16="http://schemas.microsoft.com/office/drawing/2014/main" id="{46A67AA8-F635-6EA9-AB6F-6E878006D890}"/>
               </a:ext>
             </a:extLst>
           </p:cNvPr>
@@ -580,7 +580,7 @@
           <p:cNvPr id="3" name="竖排文字占位符 2">
             <a:extLst>
               <a:ext uri="{FF2B5EF4-FFF2-40B4-BE49-F238E27FC236}">
-                <a16:creationId xmlns:a16="http://schemas.microsoft.com/office/drawing/2014/main" id="{9637F211-4E09-3D3A-3D47-463EF61A76C5}"/>
+                <a16:creationId xmlns:a16="http://schemas.microsoft.com/office/drawing/2014/main" id="{F7DAB4FE-7805-5B5F-6341-E24C6DF2B902}"/>
               </a:ext>
             </a:extLst>
           </p:cNvPr>
@@ -642,7 +642,7 @@
           <p:cNvPr id="4" name="日期占位符 3">
             <a:extLst>
               <a:ext uri="{FF2B5EF4-FFF2-40B4-BE49-F238E27FC236}">
-                <a16:creationId xmlns:a16="http://schemas.microsoft.com/office/drawing/2014/main" id="{D2C6FE6E-D9F9-B0AD-2B80-6AAF96FCFBC4}"/>
+                <a16:creationId xmlns:a16="http://schemas.microsoft.com/office/drawing/2014/main" id="{9DE73AD2-59C8-4232-DD46-EF8435D9B469}"/>
               </a:ext>
             </a:extLst>
           </p:cNvPr>
@@ -658,7 +658,7 @@
           <a:bodyPr/>
           <a:lstStyle/>
           <a:p>
-            <a:fld id="{DC9EF10D-B27F-4F27-B056-FA045E8E19F9}" type="datetimeFigureOut">
+            <a:fld id="{19A73171-18FB-4439-A730-426682982FCA}" type="datetimeFigureOut">
               <a:rPr lang="zh-CN" altLang="en-US" smtClean="0"/>
               <a:t>2024/3/10</a:t>
             </a:fld>
@@ -671,7 +671,7 @@
           <p:cNvPr id="5" name="页脚占位符 4">
             <a:extLst>
               <a:ext uri="{FF2B5EF4-FFF2-40B4-BE49-F238E27FC236}">
-                <a16:creationId xmlns:a16="http://schemas.microsoft.com/office/drawing/2014/main" id="{2A09FD8E-B9EE-149A-BEB6-D222F4CE8E02}"/>
+                <a16:creationId xmlns:a16="http://schemas.microsoft.com/office/drawing/2014/main" id="{3B99C221-249B-BF64-7DB7-0A3E153B4988}"/>
               </a:ext>
             </a:extLst>
           </p:cNvPr>
@@ -696,7 +696,7 @@
           <p:cNvPr id="6" name="灯片编号占位符 5">
             <a:extLst>
               <a:ext uri="{FF2B5EF4-FFF2-40B4-BE49-F238E27FC236}">
-                <a16:creationId xmlns:a16="http://schemas.microsoft.com/office/drawing/2014/main" id="{C651A9EC-E2D3-A10E-E75C-D0A1D9C26C68}"/>
+                <a16:creationId xmlns:a16="http://schemas.microsoft.com/office/drawing/2014/main" id="{53C817E8-5C5B-8B35-7D0F-FE7F2677D8CB}"/>
               </a:ext>
             </a:extLst>
           </p:cNvPr>
@@ -712,7 +712,7 @@
           <a:bodyPr/>
           <a:lstStyle/>
           <a:p>
-            <a:fld id="{95567575-2352-4F9D-B404-CC37FE1FD8DC}" type="slidenum">
+            <a:fld id="{8713075A-6718-4D74-8DDF-63D826A2D0B6}" type="slidenum">
               <a:rPr lang="zh-CN" altLang="en-US" smtClean="0"/>
               <a:t>‹#›</a:t>
             </a:fld>
@@ -723,7 +723,7 @@
     </p:spTree>
     <p:extLst>
       <p:ext uri="{BB962C8B-B14F-4D97-AF65-F5344CB8AC3E}">
-        <p14:creationId xmlns:p14="http://schemas.microsoft.com/office/powerpoint/2010/main" val="1146754537"/>
+        <p14:creationId xmlns:p14="http://schemas.microsoft.com/office/powerpoint/2010/main" val="1821325284"/>
       </p:ext>
     </p:extLst>
   </p:cSld>
@@ -755,7 +755,7 @@
           <p:cNvPr id="2" name="标题 1">
             <a:extLst>
               <a:ext uri="{FF2B5EF4-FFF2-40B4-BE49-F238E27FC236}">
-                <a16:creationId xmlns:a16="http://schemas.microsoft.com/office/drawing/2014/main" id="{A62C4D89-5D99-979A-D2D4-B54D463652FB}"/>
+                <a16:creationId xmlns:a16="http://schemas.microsoft.com/office/drawing/2014/main" id="{0D1229CA-609A-657D-62CD-3437FFFD6251}"/>
               </a:ext>
             </a:extLst>
           </p:cNvPr>
@@ -783,7 +783,7 @@
           <p:cNvPr id="3" name="内容占位符 2">
             <a:extLst>
               <a:ext uri="{FF2B5EF4-FFF2-40B4-BE49-F238E27FC236}">
-                <a16:creationId xmlns:a16="http://schemas.microsoft.com/office/drawing/2014/main" id="{B3193B03-A746-60E0-72B5-B96B9B09DD61}"/>
+                <a16:creationId xmlns:a16="http://schemas.microsoft.com/office/drawing/2014/main" id="{A8D045CC-0A17-4312-2CC8-CA9DB25CE6C6}"/>
               </a:ext>
             </a:extLst>
           </p:cNvPr>
@@ -840,7 +840,7 @@
           <p:cNvPr id="4" name="日期占位符 3">
             <a:extLst>
               <a:ext uri="{FF2B5EF4-FFF2-40B4-BE49-F238E27FC236}">
-                <a16:creationId xmlns:a16="http://schemas.microsoft.com/office/drawing/2014/main" id="{BF197362-B58E-7279-525B-ADA40279EC59}"/>
+                <a16:creationId xmlns:a16="http://schemas.microsoft.com/office/drawing/2014/main" id="{4E435401-7970-B155-71AE-935639218561}"/>
               </a:ext>
             </a:extLst>
           </p:cNvPr>
@@ -856,7 +856,7 @@
           <a:bodyPr/>
           <a:lstStyle/>
           <a:p>
-            <a:fld id="{DC9EF10D-B27F-4F27-B056-FA045E8E19F9}" type="datetimeFigureOut">
+            <a:fld id="{19A73171-18FB-4439-A730-426682982FCA}" type="datetimeFigureOut">
               <a:rPr lang="zh-CN" altLang="en-US" smtClean="0"/>
               <a:t>2024/3/10</a:t>
             </a:fld>
@@ -869,7 +869,7 @@
           <p:cNvPr id="5" name="页脚占位符 4">
             <a:extLst>
               <a:ext uri="{FF2B5EF4-FFF2-40B4-BE49-F238E27FC236}">
-                <a16:creationId xmlns:a16="http://schemas.microsoft.com/office/drawing/2014/main" id="{67DF7B45-7ACC-C8E1-628D-37BC2D0CC224}"/>
+                <a16:creationId xmlns:a16="http://schemas.microsoft.com/office/drawing/2014/main" id="{41D6F2BE-C5A9-9150-3569-66ECD5B9D0D7}"/>
               </a:ext>
             </a:extLst>
           </p:cNvPr>
@@ -894,7 +894,7 @@
           <p:cNvPr id="6" name="灯片编号占位符 5">
             <a:extLst>
               <a:ext uri="{FF2B5EF4-FFF2-40B4-BE49-F238E27FC236}">
-                <a16:creationId xmlns:a16="http://schemas.microsoft.com/office/drawing/2014/main" id="{E4F55F70-515B-5417-A220-F64D3AE8B39C}"/>
+                <a16:creationId xmlns:a16="http://schemas.microsoft.com/office/drawing/2014/main" id="{23F56C20-363A-C1F1-9C32-700E5FF8EAAB}"/>
               </a:ext>
             </a:extLst>
           </p:cNvPr>
@@ -910,7 +910,7 @@
           <a:bodyPr/>
           <a:lstStyle/>
           <a:p>
-            <a:fld id="{95567575-2352-4F9D-B404-CC37FE1FD8DC}" type="slidenum">
+            <a:fld id="{8713075A-6718-4D74-8DDF-63D826A2D0B6}" type="slidenum">
               <a:rPr lang="zh-CN" altLang="en-US" smtClean="0"/>
               <a:t>‹#›</a:t>
             </a:fld>
@@ -921,7 +921,7 @@
     </p:spTree>
     <p:extLst>
       <p:ext uri="{BB962C8B-B14F-4D97-AF65-F5344CB8AC3E}">
-        <p14:creationId xmlns:p14="http://schemas.microsoft.com/office/powerpoint/2010/main" val="3923976130"/>
+        <p14:creationId xmlns:p14="http://schemas.microsoft.com/office/powerpoint/2010/main" val="3273025755"/>
       </p:ext>
     </p:extLst>
   </p:cSld>
@@ -953,7 +953,7 @@
           <p:cNvPr id="2" name="标题 1">
             <a:extLst>
               <a:ext uri="{FF2B5EF4-FFF2-40B4-BE49-F238E27FC236}">
-                <a16:creationId xmlns:a16="http://schemas.microsoft.com/office/drawing/2014/main" id="{FAE19C54-0FE2-4D0F-4E0F-F4C5E145668E}"/>
+                <a16:creationId xmlns:a16="http://schemas.microsoft.com/office/drawing/2014/main" id="{9CBD3C85-07F5-87B5-0A78-94037589BFFA}"/>
               </a:ext>
             </a:extLst>
           </p:cNvPr>
@@ -990,7 +990,7 @@
           <p:cNvPr id="3" name="文本占位符 2">
             <a:extLst>
               <a:ext uri="{FF2B5EF4-FFF2-40B4-BE49-F238E27FC236}">
-                <a16:creationId xmlns:a16="http://schemas.microsoft.com/office/drawing/2014/main" id="{A79E4BA9-78FE-F966-E127-AD52B2BE3C04}"/>
+                <a16:creationId xmlns:a16="http://schemas.microsoft.com/office/drawing/2014/main" id="{FDE46318-63A4-E3C2-A92B-D00FB1B8ECB1}"/>
               </a:ext>
             </a:extLst>
           </p:cNvPr>
@@ -1115,7 +1115,7 @@
           <p:cNvPr id="4" name="日期占位符 3">
             <a:extLst>
               <a:ext uri="{FF2B5EF4-FFF2-40B4-BE49-F238E27FC236}">
-                <a16:creationId xmlns:a16="http://schemas.microsoft.com/office/drawing/2014/main" id="{D1FF69F9-2A9F-727D-42FC-9C99713C6FAC}"/>
+                <a16:creationId xmlns:a16="http://schemas.microsoft.com/office/drawing/2014/main" id="{6C689442-BB1E-5699-BA89-EDA7895C4AC6}"/>
               </a:ext>
             </a:extLst>
           </p:cNvPr>
@@ -1131,7 +1131,7 @@
           <a:bodyPr/>
           <a:lstStyle/>
           <a:p>
-            <a:fld id="{DC9EF10D-B27F-4F27-B056-FA045E8E19F9}" type="datetimeFigureOut">
+            <a:fld id="{19A73171-18FB-4439-A730-426682982FCA}" type="datetimeFigureOut">
               <a:rPr lang="zh-CN" altLang="en-US" smtClean="0"/>
               <a:t>2024/3/10</a:t>
             </a:fld>
@@ -1144,7 +1144,7 @@
           <p:cNvPr id="5" name="页脚占位符 4">
             <a:extLst>
               <a:ext uri="{FF2B5EF4-FFF2-40B4-BE49-F238E27FC236}">
-                <a16:creationId xmlns:a16="http://schemas.microsoft.com/office/drawing/2014/main" id="{5A0306B2-E40A-71D8-78DD-3A4A14457827}"/>
+                <a16:creationId xmlns:a16="http://schemas.microsoft.com/office/drawing/2014/main" id="{85F0D9B2-AEE4-35A4-E07D-B92D04C037C6}"/>
               </a:ext>
             </a:extLst>
           </p:cNvPr>
@@ -1169,7 +1169,7 @@
           <p:cNvPr id="6" name="灯片编号占位符 5">
             <a:extLst>
               <a:ext uri="{FF2B5EF4-FFF2-40B4-BE49-F238E27FC236}">
-                <a16:creationId xmlns:a16="http://schemas.microsoft.com/office/drawing/2014/main" id="{686CEA78-E9D1-76C9-BA06-78BF51A95051}"/>
+                <a16:creationId xmlns:a16="http://schemas.microsoft.com/office/drawing/2014/main" id="{79495CE3-85D3-F473-C715-EFABB8261D70}"/>
               </a:ext>
             </a:extLst>
           </p:cNvPr>
@@ -1185,7 +1185,7 @@
           <a:bodyPr/>
           <a:lstStyle/>
           <a:p>
-            <a:fld id="{95567575-2352-4F9D-B404-CC37FE1FD8DC}" type="slidenum">
+            <a:fld id="{8713075A-6718-4D74-8DDF-63D826A2D0B6}" type="slidenum">
               <a:rPr lang="zh-CN" altLang="en-US" smtClean="0"/>
               <a:t>‹#›</a:t>
             </a:fld>
@@ -1196,7 +1196,7 @@
     </p:spTree>
     <p:extLst>
       <p:ext uri="{BB962C8B-B14F-4D97-AF65-F5344CB8AC3E}">
-        <p14:creationId xmlns:p14="http://schemas.microsoft.com/office/powerpoint/2010/main" val="312813597"/>
+        <p14:creationId xmlns:p14="http://schemas.microsoft.com/office/powerpoint/2010/main" val="2955936016"/>
       </p:ext>
     </p:extLst>
   </p:cSld>
@@ -1228,7 +1228,7 @@
           <p:cNvPr id="2" name="标题 1">
             <a:extLst>
               <a:ext uri="{FF2B5EF4-FFF2-40B4-BE49-F238E27FC236}">
-                <a16:creationId xmlns:a16="http://schemas.microsoft.com/office/drawing/2014/main" id="{FBF85DA7-2A22-8CCF-D097-5BF64CC27441}"/>
+                <a16:creationId xmlns:a16="http://schemas.microsoft.com/office/drawing/2014/main" id="{60CFD50D-6999-1CEC-BD17-AFA4696A55CA}"/>
               </a:ext>
             </a:extLst>
           </p:cNvPr>
@@ -1256,7 +1256,7 @@
           <p:cNvPr id="3" name="内容占位符 2">
             <a:extLst>
               <a:ext uri="{FF2B5EF4-FFF2-40B4-BE49-F238E27FC236}">
-                <a16:creationId xmlns:a16="http://schemas.microsoft.com/office/drawing/2014/main" id="{0A8EB116-95EF-F52F-209C-4BC1C916E083}"/>
+                <a16:creationId xmlns:a16="http://schemas.microsoft.com/office/drawing/2014/main" id="{F5136C79-9502-149C-A84A-2C107AF00555}"/>
               </a:ext>
             </a:extLst>
           </p:cNvPr>
@@ -1318,7 +1318,7 @@
           <p:cNvPr id="4" name="内容占位符 3">
             <a:extLst>
               <a:ext uri="{FF2B5EF4-FFF2-40B4-BE49-F238E27FC236}">
-                <a16:creationId xmlns:a16="http://schemas.microsoft.com/office/drawing/2014/main" id="{B9D97B6B-87BC-BC71-1C9D-893F757BEFBD}"/>
+                <a16:creationId xmlns:a16="http://schemas.microsoft.com/office/drawing/2014/main" id="{0027A882-13F0-DAF2-6955-CAE225AE7474}"/>
               </a:ext>
             </a:extLst>
           </p:cNvPr>
@@ -1380,7 +1380,7 @@
           <p:cNvPr id="5" name="日期占位符 4">
             <a:extLst>
               <a:ext uri="{FF2B5EF4-FFF2-40B4-BE49-F238E27FC236}">
-                <a16:creationId xmlns:a16="http://schemas.microsoft.com/office/drawing/2014/main" id="{8BBD41FC-7B49-2323-964B-3086568BDD7C}"/>
+                <a16:creationId xmlns:a16="http://schemas.microsoft.com/office/drawing/2014/main" id="{594DDE67-9102-CFB8-1FCC-1AC3CB5FB1A3}"/>
               </a:ext>
             </a:extLst>
           </p:cNvPr>
@@ -1396,7 +1396,7 @@
           <a:bodyPr/>
           <a:lstStyle/>
           <a:p>
-            <a:fld id="{DC9EF10D-B27F-4F27-B056-FA045E8E19F9}" type="datetimeFigureOut">
+            <a:fld id="{19A73171-18FB-4439-A730-426682982FCA}" type="datetimeFigureOut">
               <a:rPr lang="zh-CN" altLang="en-US" smtClean="0"/>
               <a:t>2024/3/10</a:t>
             </a:fld>
@@ -1409,7 +1409,7 @@
           <p:cNvPr id="6" name="页脚占位符 5">
             <a:extLst>
               <a:ext uri="{FF2B5EF4-FFF2-40B4-BE49-F238E27FC236}">
-                <a16:creationId xmlns:a16="http://schemas.microsoft.com/office/drawing/2014/main" id="{BC086E14-2B09-655F-F042-B9ADAFEE6161}"/>
+                <a16:creationId xmlns:a16="http://schemas.microsoft.com/office/drawing/2014/main" id="{973192E7-6DED-587B-63D6-7BD7AC570A85}"/>
               </a:ext>
             </a:extLst>
           </p:cNvPr>
@@ -1434,7 +1434,7 @@
           <p:cNvPr id="7" name="灯片编号占位符 6">
             <a:extLst>
               <a:ext uri="{FF2B5EF4-FFF2-40B4-BE49-F238E27FC236}">
-                <a16:creationId xmlns:a16="http://schemas.microsoft.com/office/drawing/2014/main" id="{61D9B953-E820-3893-F9DF-50F21B2EF534}"/>
+                <a16:creationId xmlns:a16="http://schemas.microsoft.com/office/drawing/2014/main" id="{2FDEF3F4-47C8-D94A-DFB9-8C775753F3B2}"/>
               </a:ext>
             </a:extLst>
           </p:cNvPr>
@@ -1450,7 +1450,7 @@
           <a:bodyPr/>
           <a:lstStyle/>
           <a:p>
-            <a:fld id="{95567575-2352-4F9D-B404-CC37FE1FD8DC}" type="slidenum">
+            <a:fld id="{8713075A-6718-4D74-8DDF-63D826A2D0B6}" type="slidenum">
               <a:rPr lang="zh-CN" altLang="en-US" smtClean="0"/>
               <a:t>‹#›</a:t>
             </a:fld>
@@ -1461,7 +1461,7 @@
     </p:spTree>
     <p:extLst>
       <p:ext uri="{BB962C8B-B14F-4D97-AF65-F5344CB8AC3E}">
-        <p14:creationId xmlns:p14="http://schemas.microsoft.com/office/powerpoint/2010/main" val="3719505834"/>
+        <p14:creationId xmlns:p14="http://schemas.microsoft.com/office/powerpoint/2010/main" val="2227378791"/>
       </p:ext>
     </p:extLst>
   </p:cSld>
@@ -1493,7 +1493,7 @@
           <p:cNvPr id="2" name="标题 1">
             <a:extLst>
               <a:ext uri="{FF2B5EF4-FFF2-40B4-BE49-F238E27FC236}">
-                <a16:creationId xmlns:a16="http://schemas.microsoft.com/office/drawing/2014/main" id="{BA2052A7-ACE4-E6B5-F26A-9A02BFB0A318}"/>
+                <a16:creationId xmlns:a16="http://schemas.microsoft.com/office/drawing/2014/main" id="{01E100AD-06A2-91C9-CC5D-C4E755DDB1CD}"/>
               </a:ext>
             </a:extLst>
           </p:cNvPr>
@@ -1526,7 +1526,7 @@
           <p:cNvPr id="3" name="文本占位符 2">
             <a:extLst>
               <a:ext uri="{FF2B5EF4-FFF2-40B4-BE49-F238E27FC236}">
-                <a16:creationId xmlns:a16="http://schemas.microsoft.com/office/drawing/2014/main" id="{4DA95B7C-E121-67CC-E1A0-612340619B4B}"/>
+                <a16:creationId xmlns:a16="http://schemas.microsoft.com/office/drawing/2014/main" id="{ED7A7FEC-3E14-6847-985A-2CFCCA6E0859}"/>
               </a:ext>
             </a:extLst>
           </p:cNvPr>
@@ -1597,7 +1597,7 @@
           <p:cNvPr id="4" name="内容占位符 3">
             <a:extLst>
               <a:ext uri="{FF2B5EF4-FFF2-40B4-BE49-F238E27FC236}">
-                <a16:creationId xmlns:a16="http://schemas.microsoft.com/office/drawing/2014/main" id="{CD98946C-5460-2029-5C5B-7719B0E0E3D9}"/>
+                <a16:creationId xmlns:a16="http://schemas.microsoft.com/office/drawing/2014/main" id="{DFE16277-FE24-D7BC-3A21-0C3F1EE2B089}"/>
               </a:ext>
             </a:extLst>
           </p:cNvPr>
@@ -1659,7 +1659,7 @@
           <p:cNvPr id="5" name="文本占位符 4">
             <a:extLst>
               <a:ext uri="{FF2B5EF4-FFF2-40B4-BE49-F238E27FC236}">
-                <a16:creationId xmlns:a16="http://schemas.microsoft.com/office/drawing/2014/main" id="{7256A900-85DB-EBF7-4E56-6A2B402B0BF1}"/>
+                <a16:creationId xmlns:a16="http://schemas.microsoft.com/office/drawing/2014/main" id="{CCC22542-5F95-9997-946D-4E63D3F3BD83}"/>
               </a:ext>
             </a:extLst>
           </p:cNvPr>
@@ -1730,7 +1730,7 @@
           <p:cNvPr id="6" name="内容占位符 5">
             <a:extLst>
               <a:ext uri="{FF2B5EF4-FFF2-40B4-BE49-F238E27FC236}">
-                <a16:creationId xmlns:a16="http://schemas.microsoft.com/office/drawing/2014/main" id="{28C22313-74FE-618B-DA44-D4FD6AF181AF}"/>
+                <a16:creationId xmlns:a16="http://schemas.microsoft.com/office/drawing/2014/main" id="{97BAC179-5275-2E17-964B-32F43737D425}"/>
               </a:ext>
             </a:extLst>
           </p:cNvPr>
@@ -1792,7 +1792,7 @@
           <p:cNvPr id="7" name="日期占位符 6">
             <a:extLst>
               <a:ext uri="{FF2B5EF4-FFF2-40B4-BE49-F238E27FC236}">
-                <a16:creationId xmlns:a16="http://schemas.microsoft.com/office/drawing/2014/main" id="{937AB418-BB10-5C6A-3D51-909D04706D3B}"/>
+                <a16:creationId xmlns:a16="http://schemas.microsoft.com/office/drawing/2014/main" id="{F601EE5E-E772-4A7A-149C-C91BF09FDF42}"/>
               </a:ext>
             </a:extLst>
           </p:cNvPr>
@@ -1808,7 +1808,7 @@
           <a:bodyPr/>
           <a:lstStyle/>
           <a:p>
-            <a:fld id="{DC9EF10D-B27F-4F27-B056-FA045E8E19F9}" type="datetimeFigureOut">
+            <a:fld id="{19A73171-18FB-4439-A730-426682982FCA}" type="datetimeFigureOut">
               <a:rPr lang="zh-CN" altLang="en-US" smtClean="0"/>
               <a:t>2024/3/10</a:t>
             </a:fld>
@@ -1821,7 +1821,7 @@
           <p:cNvPr id="8" name="页脚占位符 7">
             <a:extLst>
               <a:ext uri="{FF2B5EF4-FFF2-40B4-BE49-F238E27FC236}">
-                <a16:creationId xmlns:a16="http://schemas.microsoft.com/office/drawing/2014/main" id="{B7A3D42D-5BA0-7C55-A18B-20A9C505F108}"/>
+                <a16:creationId xmlns:a16="http://schemas.microsoft.com/office/drawing/2014/main" id="{0A658057-0B29-2B10-0D78-41EA8A7F41CD}"/>
               </a:ext>
             </a:extLst>
           </p:cNvPr>
@@ -1846,7 +1846,7 @@
           <p:cNvPr id="9" name="灯片编号占位符 8">
             <a:extLst>
               <a:ext uri="{FF2B5EF4-FFF2-40B4-BE49-F238E27FC236}">
-                <a16:creationId xmlns:a16="http://schemas.microsoft.com/office/drawing/2014/main" id="{2281975D-6FD3-F290-A176-3895518420FC}"/>
+                <a16:creationId xmlns:a16="http://schemas.microsoft.com/office/drawing/2014/main" id="{2A2BA336-74B5-0C44-96B4-6223AF97EE09}"/>
               </a:ext>
             </a:extLst>
           </p:cNvPr>
@@ -1862,7 +1862,7 @@
           <a:bodyPr/>
           <a:lstStyle/>
           <a:p>
-            <a:fld id="{95567575-2352-4F9D-B404-CC37FE1FD8DC}" type="slidenum">
+            <a:fld id="{8713075A-6718-4D74-8DDF-63D826A2D0B6}" type="slidenum">
               <a:rPr lang="zh-CN" altLang="en-US" smtClean="0"/>
               <a:t>‹#›</a:t>
             </a:fld>
@@ -1873,7 +1873,7 @@
     </p:spTree>
     <p:extLst>
       <p:ext uri="{BB962C8B-B14F-4D97-AF65-F5344CB8AC3E}">
-        <p14:creationId xmlns:p14="http://schemas.microsoft.com/office/powerpoint/2010/main" val="541307113"/>
+        <p14:creationId xmlns:p14="http://schemas.microsoft.com/office/powerpoint/2010/main" val="1259967267"/>
       </p:ext>
     </p:extLst>
   </p:cSld>
@@ -1905,7 +1905,7 @@
           <p:cNvPr id="2" name="标题 1">
             <a:extLst>
               <a:ext uri="{FF2B5EF4-FFF2-40B4-BE49-F238E27FC236}">
-                <a16:creationId xmlns:a16="http://schemas.microsoft.com/office/drawing/2014/main" id="{86861B8B-DB85-8E32-40FE-7C1787F95ECF}"/>
+                <a16:creationId xmlns:a16="http://schemas.microsoft.com/office/drawing/2014/main" id="{18E126FC-D48E-2180-0DF0-30A080E4405E}"/>
               </a:ext>
             </a:extLst>
           </p:cNvPr>
@@ -1933,7 +1933,7 @@
           <p:cNvPr id="3" name="日期占位符 2">
             <a:extLst>
               <a:ext uri="{FF2B5EF4-FFF2-40B4-BE49-F238E27FC236}">
-                <a16:creationId xmlns:a16="http://schemas.microsoft.com/office/drawing/2014/main" id="{3427824D-6D3A-9230-A840-A634C9A1B065}"/>
+                <a16:creationId xmlns:a16="http://schemas.microsoft.com/office/drawing/2014/main" id="{44581A56-D5ED-26C7-DE27-ACD62ED3A30A}"/>
               </a:ext>
             </a:extLst>
           </p:cNvPr>
@@ -1949,7 +1949,7 @@
           <a:bodyPr/>
           <a:lstStyle/>
           <a:p>
-            <a:fld id="{DC9EF10D-B27F-4F27-B056-FA045E8E19F9}" type="datetimeFigureOut">
+            <a:fld id="{19A73171-18FB-4439-A730-426682982FCA}" type="datetimeFigureOut">
               <a:rPr lang="zh-CN" altLang="en-US" smtClean="0"/>
               <a:t>2024/3/10</a:t>
             </a:fld>
@@ -1962,7 +1962,7 @@
           <p:cNvPr id="4" name="页脚占位符 3">
             <a:extLst>
               <a:ext uri="{FF2B5EF4-FFF2-40B4-BE49-F238E27FC236}">
-                <a16:creationId xmlns:a16="http://schemas.microsoft.com/office/drawing/2014/main" id="{78B38EC9-8292-5225-A720-9A7EF5921750}"/>
+                <a16:creationId xmlns:a16="http://schemas.microsoft.com/office/drawing/2014/main" id="{789FAF89-1A9D-11FC-11DB-942CAD23B2C3}"/>
               </a:ext>
             </a:extLst>
           </p:cNvPr>
@@ -1987,7 +1987,7 @@
           <p:cNvPr id="5" name="灯片编号占位符 4">
             <a:extLst>
               <a:ext uri="{FF2B5EF4-FFF2-40B4-BE49-F238E27FC236}">
-                <a16:creationId xmlns:a16="http://schemas.microsoft.com/office/drawing/2014/main" id="{A93F409F-54E4-7107-8131-1D318F436C73}"/>
+                <a16:creationId xmlns:a16="http://schemas.microsoft.com/office/drawing/2014/main" id="{16DC0803-277D-A365-F7B7-5F430103ECF5}"/>
               </a:ext>
             </a:extLst>
           </p:cNvPr>
@@ -2003,7 +2003,7 @@
           <a:bodyPr/>
           <a:lstStyle/>
           <a:p>
-            <a:fld id="{95567575-2352-4F9D-B404-CC37FE1FD8DC}" type="slidenum">
+            <a:fld id="{8713075A-6718-4D74-8DDF-63D826A2D0B6}" type="slidenum">
               <a:rPr lang="zh-CN" altLang="en-US" smtClean="0"/>
               <a:t>‹#›</a:t>
             </a:fld>
@@ -2014,7 +2014,7 @@
     </p:spTree>
     <p:extLst>
       <p:ext uri="{BB962C8B-B14F-4D97-AF65-F5344CB8AC3E}">
-        <p14:creationId xmlns:p14="http://schemas.microsoft.com/office/powerpoint/2010/main" val="1629629900"/>
+        <p14:creationId xmlns:p14="http://schemas.microsoft.com/office/powerpoint/2010/main" val="201009169"/>
       </p:ext>
     </p:extLst>
   </p:cSld>
@@ -2046,7 +2046,7 @@
           <p:cNvPr id="2" name="日期占位符 1">
             <a:extLst>
               <a:ext uri="{FF2B5EF4-FFF2-40B4-BE49-F238E27FC236}">
-                <a16:creationId xmlns:a16="http://schemas.microsoft.com/office/drawing/2014/main" id="{2E33BA29-5B65-F889-D94D-9C2BE404E007}"/>
+                <a16:creationId xmlns:a16="http://schemas.microsoft.com/office/drawing/2014/main" id="{D2B8267C-C89F-10ED-1D7D-2269759BF24D}"/>
               </a:ext>
             </a:extLst>
           </p:cNvPr>
@@ -2062,7 +2062,7 @@
           <a:bodyPr/>
           <a:lstStyle/>
           <a:p>
-            <a:fld id="{DC9EF10D-B27F-4F27-B056-FA045E8E19F9}" type="datetimeFigureOut">
+            <a:fld id="{19A73171-18FB-4439-A730-426682982FCA}" type="datetimeFigureOut">
               <a:rPr lang="zh-CN" altLang="en-US" smtClean="0"/>
               <a:t>2024/3/10</a:t>
             </a:fld>
@@ -2075,7 +2075,7 @@
           <p:cNvPr id="3" name="页脚占位符 2">
             <a:extLst>
               <a:ext uri="{FF2B5EF4-FFF2-40B4-BE49-F238E27FC236}">
-                <a16:creationId xmlns:a16="http://schemas.microsoft.com/office/drawing/2014/main" id="{DF5CED9A-A980-9F6F-7459-BD5CFB50CF3C}"/>
+                <a16:creationId xmlns:a16="http://schemas.microsoft.com/office/drawing/2014/main" id="{909F4432-B6C5-B6A5-1E2A-D4FE37B605FF}"/>
               </a:ext>
             </a:extLst>
           </p:cNvPr>
@@ -2100,7 +2100,7 @@
           <p:cNvPr id="4" name="灯片编号占位符 3">
             <a:extLst>
               <a:ext uri="{FF2B5EF4-FFF2-40B4-BE49-F238E27FC236}">
-                <a16:creationId xmlns:a16="http://schemas.microsoft.com/office/drawing/2014/main" id="{4E7CCE73-423F-7E5E-A080-4CD296ACE1E1}"/>
+                <a16:creationId xmlns:a16="http://schemas.microsoft.com/office/drawing/2014/main" id="{5AA8B9FF-7835-0719-9DC4-B4FF5E1EB8A3}"/>
               </a:ext>
             </a:extLst>
           </p:cNvPr>
@@ -2116,7 +2116,7 @@
           <a:bodyPr/>
           <a:lstStyle/>
           <a:p>
-            <a:fld id="{95567575-2352-4F9D-B404-CC37FE1FD8DC}" type="slidenum">
+            <a:fld id="{8713075A-6718-4D74-8DDF-63D826A2D0B6}" type="slidenum">
               <a:rPr lang="zh-CN" altLang="en-US" smtClean="0"/>
               <a:t>‹#›</a:t>
             </a:fld>
@@ -2127,7 +2127,7 @@
     </p:spTree>
     <p:extLst>
       <p:ext uri="{BB962C8B-B14F-4D97-AF65-F5344CB8AC3E}">
-        <p14:creationId xmlns:p14="http://schemas.microsoft.com/office/powerpoint/2010/main" val="1684024442"/>
+        <p14:creationId xmlns:p14="http://schemas.microsoft.com/office/powerpoint/2010/main" val="2946779093"/>
       </p:ext>
     </p:extLst>
   </p:cSld>
@@ -2159,7 +2159,7 @@
           <p:cNvPr id="2" name="标题 1">
             <a:extLst>
               <a:ext uri="{FF2B5EF4-FFF2-40B4-BE49-F238E27FC236}">
-                <a16:creationId xmlns:a16="http://schemas.microsoft.com/office/drawing/2014/main" id="{09A5A1BC-9B34-CC8D-12AC-FA63B7917BFC}"/>
+                <a16:creationId xmlns:a16="http://schemas.microsoft.com/office/drawing/2014/main" id="{1B8F5C97-E5C3-2A5D-06BA-DEE7012B77FB}"/>
               </a:ext>
             </a:extLst>
           </p:cNvPr>
@@ -2196,7 +2196,7 @@
           <p:cNvPr id="3" name="内容占位符 2">
             <a:extLst>
               <a:ext uri="{FF2B5EF4-FFF2-40B4-BE49-F238E27FC236}">
-                <a16:creationId xmlns:a16="http://schemas.microsoft.com/office/drawing/2014/main" id="{FBBBAFE3-7425-FD6C-0FBE-A8CE7038E662}"/>
+                <a16:creationId xmlns:a16="http://schemas.microsoft.com/office/drawing/2014/main" id="{D267BCD6-C5B1-0604-7541-0AF0B9DE714F}"/>
               </a:ext>
             </a:extLst>
           </p:cNvPr>
@@ -2286,7 +2286,7 @@
           <p:cNvPr id="4" name="文本占位符 3">
             <a:extLst>
               <a:ext uri="{FF2B5EF4-FFF2-40B4-BE49-F238E27FC236}">
-                <a16:creationId xmlns:a16="http://schemas.microsoft.com/office/drawing/2014/main" id="{2814734B-17B0-959B-043B-FE596C74551E}"/>
+                <a16:creationId xmlns:a16="http://schemas.microsoft.com/office/drawing/2014/main" id="{7DAD8CF4-5156-924C-92B9-E9F99FBA3987}"/>
               </a:ext>
             </a:extLst>
           </p:cNvPr>
@@ -2357,7 +2357,7 @@
           <p:cNvPr id="5" name="日期占位符 4">
             <a:extLst>
               <a:ext uri="{FF2B5EF4-FFF2-40B4-BE49-F238E27FC236}">
-                <a16:creationId xmlns:a16="http://schemas.microsoft.com/office/drawing/2014/main" id="{B0DB1D4A-4282-946C-D485-17D754BA96A5}"/>
+                <a16:creationId xmlns:a16="http://schemas.microsoft.com/office/drawing/2014/main" id="{216FF2C1-BBCA-5DF1-2A97-915CEEF73191}"/>
               </a:ext>
             </a:extLst>
           </p:cNvPr>
@@ -2373,7 +2373,7 @@
           <a:bodyPr/>
           <a:lstStyle/>
           <a:p>
-            <a:fld id="{DC9EF10D-B27F-4F27-B056-FA045E8E19F9}" type="datetimeFigureOut">
+            <a:fld id="{19A73171-18FB-4439-A730-426682982FCA}" type="datetimeFigureOut">
               <a:rPr lang="zh-CN" altLang="en-US" smtClean="0"/>
               <a:t>2024/3/10</a:t>
             </a:fld>
@@ -2386,7 +2386,7 @@
           <p:cNvPr id="6" name="页脚占位符 5">
             <a:extLst>
               <a:ext uri="{FF2B5EF4-FFF2-40B4-BE49-F238E27FC236}">
-                <a16:creationId xmlns:a16="http://schemas.microsoft.com/office/drawing/2014/main" id="{888BCC6F-5E34-26A5-D8C4-5002518E3510}"/>
+                <a16:creationId xmlns:a16="http://schemas.microsoft.com/office/drawing/2014/main" id="{8A1E155A-3347-110A-AF9B-77AD5866F0FF}"/>
               </a:ext>
             </a:extLst>
           </p:cNvPr>
@@ -2411,7 +2411,7 @@
           <p:cNvPr id="7" name="灯片编号占位符 6">
             <a:extLst>
               <a:ext uri="{FF2B5EF4-FFF2-40B4-BE49-F238E27FC236}">
-                <a16:creationId xmlns:a16="http://schemas.microsoft.com/office/drawing/2014/main" id="{435D5821-8BDD-BD67-4D03-7CEA87EAE80B}"/>
+                <a16:creationId xmlns:a16="http://schemas.microsoft.com/office/drawing/2014/main" id="{3D9B99E3-6C9F-0D45-D35C-E2B31961287D}"/>
               </a:ext>
             </a:extLst>
           </p:cNvPr>
@@ -2427,7 +2427,7 @@
           <a:bodyPr/>
           <a:lstStyle/>
           <a:p>
-            <a:fld id="{95567575-2352-4F9D-B404-CC37FE1FD8DC}" type="slidenum">
+            <a:fld id="{8713075A-6718-4D74-8DDF-63D826A2D0B6}" type="slidenum">
               <a:rPr lang="zh-CN" altLang="en-US" smtClean="0"/>
               <a:t>‹#›</a:t>
             </a:fld>
@@ -2438,7 +2438,7 @@
     </p:spTree>
     <p:extLst>
       <p:ext uri="{BB962C8B-B14F-4D97-AF65-F5344CB8AC3E}">
-        <p14:creationId xmlns:p14="http://schemas.microsoft.com/office/powerpoint/2010/main" val="1518081494"/>
+        <p14:creationId xmlns:p14="http://schemas.microsoft.com/office/powerpoint/2010/main" val="2114361472"/>
       </p:ext>
     </p:extLst>
   </p:cSld>
@@ -2470,7 +2470,7 @@
           <p:cNvPr id="2" name="标题 1">
             <a:extLst>
               <a:ext uri="{FF2B5EF4-FFF2-40B4-BE49-F238E27FC236}">
-                <a16:creationId xmlns:a16="http://schemas.microsoft.com/office/drawing/2014/main" id="{CB0D0A8F-B1B4-070A-1C9E-857F4B771604}"/>
+                <a16:creationId xmlns:a16="http://schemas.microsoft.com/office/drawing/2014/main" id="{E7B5C76A-1B89-24B2-4177-758C31B78F13}"/>
               </a:ext>
             </a:extLst>
           </p:cNvPr>
@@ -2507,7 +2507,7 @@
           <p:cNvPr id="3" name="图片占位符 2">
             <a:extLst>
               <a:ext uri="{FF2B5EF4-FFF2-40B4-BE49-F238E27FC236}">
-                <a16:creationId xmlns:a16="http://schemas.microsoft.com/office/drawing/2014/main" id="{228C399C-BBD0-1A27-FD4F-C7E58A964CA1}"/>
+                <a16:creationId xmlns:a16="http://schemas.microsoft.com/office/drawing/2014/main" id="{8F535D81-6A92-676B-C276-A20F111B260A}"/>
               </a:ext>
             </a:extLst>
           </p:cNvPr>
@@ -2574,7 +2574,7 @@
           <p:cNvPr id="4" name="文本占位符 3">
             <a:extLst>
               <a:ext uri="{FF2B5EF4-FFF2-40B4-BE49-F238E27FC236}">
-                <a16:creationId xmlns:a16="http://schemas.microsoft.com/office/drawing/2014/main" id="{23CB8C48-7B0F-5051-6F0E-40FEE9E72CE5}"/>
+                <a16:creationId xmlns:a16="http://schemas.microsoft.com/office/drawing/2014/main" id="{9158F127-03D2-C33B-A953-B8D315FCC83A}"/>
               </a:ext>
             </a:extLst>
           </p:cNvPr>
@@ -2645,7 +2645,7 @@
           <p:cNvPr id="5" name="日期占位符 4">
             <a:extLst>
               <a:ext uri="{FF2B5EF4-FFF2-40B4-BE49-F238E27FC236}">
-                <a16:creationId xmlns:a16="http://schemas.microsoft.com/office/drawing/2014/main" id="{6D1E05F4-2BE6-C9F5-4BEF-6B086F82FA32}"/>
+                <a16:creationId xmlns:a16="http://schemas.microsoft.com/office/drawing/2014/main" id="{7E75D34D-5F6C-8891-2CB5-8C9A9377CB78}"/>
               </a:ext>
             </a:extLst>
           </p:cNvPr>
@@ -2661,7 +2661,7 @@
           <a:bodyPr/>
           <a:lstStyle/>
           <a:p>
-            <a:fld id="{DC9EF10D-B27F-4F27-B056-FA045E8E19F9}" type="datetimeFigureOut">
+            <a:fld id="{19A73171-18FB-4439-A730-426682982FCA}" type="datetimeFigureOut">
               <a:rPr lang="zh-CN" altLang="en-US" smtClean="0"/>
               <a:t>2024/3/10</a:t>
             </a:fld>
@@ -2674,7 +2674,7 @@
           <p:cNvPr id="6" name="页脚占位符 5">
             <a:extLst>
               <a:ext uri="{FF2B5EF4-FFF2-40B4-BE49-F238E27FC236}">
-                <a16:creationId xmlns:a16="http://schemas.microsoft.com/office/drawing/2014/main" id="{175AF217-1D3C-A08C-5450-AC9AE724ECE1}"/>
+                <a16:creationId xmlns:a16="http://schemas.microsoft.com/office/drawing/2014/main" id="{B5A1F26D-7AF3-1D47-4D9C-2CE2EB6A49AD}"/>
               </a:ext>
             </a:extLst>
           </p:cNvPr>
@@ -2699,7 +2699,7 @@
           <p:cNvPr id="7" name="灯片编号占位符 6">
             <a:extLst>
               <a:ext uri="{FF2B5EF4-FFF2-40B4-BE49-F238E27FC236}">
-                <a16:creationId xmlns:a16="http://schemas.microsoft.com/office/drawing/2014/main" id="{7EB1D0B9-B8D0-5712-B4C4-98EF45748811}"/>
+                <a16:creationId xmlns:a16="http://schemas.microsoft.com/office/drawing/2014/main" id="{3A822E4C-80CF-7FC3-23CE-1422E4FA41D7}"/>
               </a:ext>
             </a:extLst>
           </p:cNvPr>
@@ -2715,7 +2715,7 @@
           <a:bodyPr/>
           <a:lstStyle/>
           <a:p>
-            <a:fld id="{95567575-2352-4F9D-B404-CC37FE1FD8DC}" type="slidenum">
+            <a:fld id="{8713075A-6718-4D74-8DDF-63D826A2D0B6}" type="slidenum">
               <a:rPr lang="zh-CN" altLang="en-US" smtClean="0"/>
               <a:t>‹#›</a:t>
             </a:fld>
@@ -2726,7 +2726,7 @@
     </p:spTree>
     <p:extLst>
       <p:ext uri="{BB962C8B-B14F-4D97-AF65-F5344CB8AC3E}">
-        <p14:creationId xmlns:p14="http://schemas.microsoft.com/office/powerpoint/2010/main" val="406244471"/>
+        <p14:creationId xmlns:p14="http://schemas.microsoft.com/office/powerpoint/2010/main" val="2519032716"/>
       </p:ext>
     </p:extLst>
   </p:cSld>
@@ -2763,7 +2763,7 @@
           <p:cNvPr id="2" name="标题占位符 1">
             <a:extLst>
               <a:ext uri="{FF2B5EF4-FFF2-40B4-BE49-F238E27FC236}">
-                <a16:creationId xmlns:a16="http://schemas.microsoft.com/office/drawing/2014/main" id="{E439F47F-0856-0198-2A2F-542747508055}"/>
+                <a16:creationId xmlns:a16="http://schemas.microsoft.com/office/drawing/2014/main" id="{2BD4616C-2859-132C-F44D-4FEDD71CD06C}"/>
               </a:ext>
             </a:extLst>
           </p:cNvPr>
@@ -2801,7 +2801,7 @@
           <p:cNvPr id="3" name="文本占位符 2">
             <a:extLst>
               <a:ext uri="{FF2B5EF4-FFF2-40B4-BE49-F238E27FC236}">
-                <a16:creationId xmlns:a16="http://schemas.microsoft.com/office/drawing/2014/main" id="{F6DC8204-5440-A351-DF80-4C971CFE615F}"/>
+                <a16:creationId xmlns:a16="http://schemas.microsoft.com/office/drawing/2014/main" id="{75DF898A-4BA3-5650-6F12-5C770FB07C80}"/>
               </a:ext>
             </a:extLst>
           </p:cNvPr>
@@ -2868,7 +2868,7 @@
           <p:cNvPr id="4" name="日期占位符 3">
             <a:extLst>
               <a:ext uri="{FF2B5EF4-FFF2-40B4-BE49-F238E27FC236}">
-                <a16:creationId xmlns:a16="http://schemas.microsoft.com/office/drawing/2014/main" id="{7ECC1DBD-3B96-E7B0-DD1F-6223FB445462}"/>
+                <a16:creationId xmlns:a16="http://schemas.microsoft.com/office/drawing/2014/main" id="{4C1CA542-DF4A-84FF-9A96-6395E20C1E9D}"/>
               </a:ext>
             </a:extLst>
           </p:cNvPr>
@@ -2902,7 +2902,7 @@
             </a:lvl1pPr>
           </a:lstStyle>
           <a:p>
-            <a:fld id="{DC9EF10D-B27F-4F27-B056-FA045E8E19F9}" type="datetimeFigureOut">
+            <a:fld id="{19A73171-18FB-4439-A730-426682982FCA}" type="datetimeFigureOut">
               <a:rPr lang="zh-CN" altLang="en-US" smtClean="0"/>
               <a:t>2024/3/10</a:t>
             </a:fld>
@@ -2915,7 +2915,7 @@
           <p:cNvPr id="5" name="页脚占位符 4">
             <a:extLst>
               <a:ext uri="{FF2B5EF4-FFF2-40B4-BE49-F238E27FC236}">
-                <a16:creationId xmlns:a16="http://schemas.microsoft.com/office/drawing/2014/main" id="{C839B45C-9D8C-2310-18AB-E95C0C18B116}"/>
+                <a16:creationId xmlns:a16="http://schemas.microsoft.com/office/drawing/2014/main" id="{0C31715E-0BEB-6023-8862-C0BB4A767821}"/>
               </a:ext>
             </a:extLst>
           </p:cNvPr>
@@ -2958,7 +2958,7 @@
           <p:cNvPr id="6" name="灯片编号占位符 5">
             <a:extLst>
               <a:ext uri="{FF2B5EF4-FFF2-40B4-BE49-F238E27FC236}">
-                <a16:creationId xmlns:a16="http://schemas.microsoft.com/office/drawing/2014/main" id="{90AD539B-4BC0-0DDE-DC69-3A1FA76EB680}"/>
+                <a16:creationId xmlns:a16="http://schemas.microsoft.com/office/drawing/2014/main" id="{6C072A34-0703-3199-80F4-015D9545EF56}"/>
               </a:ext>
             </a:extLst>
           </p:cNvPr>
@@ -2992,7 +2992,7 @@
             </a:lvl1pPr>
           </a:lstStyle>
           <a:p>
-            <a:fld id="{95567575-2352-4F9D-B404-CC37FE1FD8DC}" type="slidenum">
+            <a:fld id="{8713075A-6718-4D74-8DDF-63D826A2D0B6}" type="slidenum">
               <a:rPr lang="zh-CN" altLang="en-US" smtClean="0"/>
               <a:t>‹#›</a:t>
             </a:fld>
@@ -3003,7 +3003,7 @@
     </p:spTree>
     <p:extLst>
       <p:ext uri="{BB962C8B-B14F-4D97-AF65-F5344CB8AC3E}">
-        <p14:creationId xmlns:p14="http://schemas.microsoft.com/office/powerpoint/2010/main" val="2564352966"/>
+        <p14:creationId xmlns:p14="http://schemas.microsoft.com/office/powerpoint/2010/main" val="3650304795"/>
       </p:ext>
     </p:extLst>
   </p:cSld>
@@ -3323,7 +3323,7 @@
       </p:grpSpPr>
       <p:pic>
         <p:nvPicPr>
-          <p:cNvPr id="916482" name="Picture 2" descr="894"/>
+          <p:cNvPr id="917506" name="Picture 2" descr="895"/>
           <p:cNvPicPr>
             <a:picLocks noChangeAspect="1" noChangeArrowheads="1"/>
           </p:cNvPicPr>
@@ -3344,8 +3344,8 @@
         </p:blipFill>
         <p:spPr bwMode="auto">
           <a:xfrm>
-            <a:off x="1524000" y="0"/>
-            <a:ext cx="9144000" cy="6858000"/>
+            <a:off x="1543050" y="14288"/>
+            <a:ext cx="9124950" cy="6843712"/>
           </a:xfrm>
           <a:prstGeom prst="rect">
             <a:avLst/>
@@ -3375,11 +3375,158 @@
           </a:extLst>
         </p:spPr>
       </p:pic>
+      <p:pic>
+        <p:nvPicPr>
+          <p:cNvPr id="918531" name="Picture 3" descr="895-2"/>
+          <p:cNvPicPr>
+            <a:picLocks noChangeAspect="1" noChangeArrowheads="1"/>
+          </p:cNvPicPr>
+          <p:nvPr/>
+        </p:nvPicPr>
+        <p:blipFill>
+          <a:blip r:embed="rId3">
+            <a:extLst>
+              <a:ext uri="{28A0092B-C50C-407E-A947-70E740481C1C}">
+                <a14:useLocalDpi xmlns:a14="http://schemas.microsoft.com/office/drawing/2010/main" val="0"/>
+              </a:ext>
+            </a:extLst>
+          </a:blip>
+          <a:srcRect/>
+          <a:stretch>
+            <a:fillRect/>
+          </a:stretch>
+        </p:blipFill>
+        <p:spPr bwMode="auto">
+          <a:xfrm>
+            <a:off x="1543050" y="1"/>
+            <a:ext cx="9124950" cy="6843713"/>
+          </a:xfrm>
+          <a:prstGeom prst="rect">
+            <a:avLst/>
+          </a:prstGeom>
+          <a:noFill/>
+          <a:ln>
+            <a:noFill/>
+          </a:ln>
+          <a:effectLst/>
+          <a:extLst>
+            <a:ext uri="{909E8E84-426E-40DD-AFC4-6F175D3DCCD1}">
+              <a14:hiddenFill xmlns:a14="http://schemas.microsoft.com/office/drawing/2010/main">
+                <a:solidFill>
+                  <a:srgbClr val="FFFFFF"/>
+                </a:solidFill>
+              </a14:hiddenFill>
+            </a:ext>
+            <a:ext uri="{91240B29-F687-4F45-9708-019B960494DF}">
+              <a14:hiddenLine xmlns:a14="http://schemas.microsoft.com/office/drawing/2010/main" w="9525">
+                <a:solidFill>
+                  <a:srgbClr val="000000"/>
+                </a:solidFill>
+                <a:miter lim="800000"/>
+                <a:headEnd/>
+                <a:tailEnd/>
+              </a14:hiddenLine>
+            </a:ext>
+            <a:ext uri="{AF507438-7753-43E0-B8FC-AC1667EBCBE1}">
+              <a14:hiddenEffects xmlns:a14="http://schemas.microsoft.com/office/drawing/2010/main">
+                <a:effectLst>
+                  <a:outerShdw dist="35921" dir="2700000" algn="ctr" rotWithShape="0">
+                    <a:srgbClr val="808080"/>
+                  </a:outerShdw>
+                </a:effectLst>
+              </a14:hiddenEffects>
+            </a:ext>
+          </a:extLst>
+        </p:spPr>
+      </p:pic>
     </p:spTree>
   </p:cSld>
   <p:clrMapOvr>
     <a:masterClrMapping/>
   </p:clrMapOvr>
+  <p:timing>
+    <p:tnLst>
+      <p:par>
+        <p:cTn id="1" dur="indefinite" restart="never" nodeType="tmRoot">
+          <p:childTnLst>
+            <p:seq concurrent="1" nextAc="seek">
+              <p:cTn id="2" dur="indefinite" nodeType="mainSeq">
+                <p:childTnLst>
+                  <p:par>
+                    <p:cTn id="3" fill="hold" nodeType="clickPar">
+                      <p:stCondLst>
+                        <p:cond delay="indefinite"/>
+                      </p:stCondLst>
+                      <p:childTnLst>
+                        <p:par>
+                          <p:cTn id="4" fill="hold" nodeType="withGroup">
+                            <p:stCondLst>
+                              <p:cond delay="0"/>
+                            </p:stCondLst>
+                            <p:childTnLst>
+                              <p:par>
+                                <p:cTn id="5" presetID="10" presetClass="entr" presetSubtype="0" fill="hold" nodeType="clickEffect">
+                                  <p:stCondLst>
+                                    <p:cond delay="0"/>
+                                  </p:stCondLst>
+                                  <p:childTnLst>
+                                    <p:set>
+                                      <p:cBhvr>
+                                        <p:cTn id="6" dur="1" fill="hold">
+                                          <p:stCondLst>
+                                            <p:cond delay="0"/>
+                                          </p:stCondLst>
+                                        </p:cTn>
+                                        <p:tgtEl>
+                                          <p:spTgt spid="918531"/>
+                                        </p:tgtEl>
+                                        <p:attrNameLst>
+                                          <p:attrName>style.visibility</p:attrName>
+                                        </p:attrNameLst>
+                                      </p:cBhvr>
+                                      <p:to>
+                                        <p:strVal val="visible"/>
+                                      </p:to>
+                                    </p:set>
+                                    <p:animEffect transition="in" filter="fade">
+                                      <p:cBhvr>
+                                        <p:cTn id="7" dur="500"/>
+                                        <p:tgtEl>
+                                          <p:spTgt spid="918531"/>
+                                        </p:tgtEl>
+                                      </p:cBhvr>
+                                    </p:animEffect>
+                                  </p:childTnLst>
+                                </p:cTn>
+                              </p:par>
+                            </p:childTnLst>
+                          </p:cTn>
+                        </p:par>
+                      </p:childTnLst>
+                    </p:cTn>
+                  </p:par>
+                </p:childTnLst>
+              </p:cTn>
+              <p:prevCondLst>
+                <p:cond evt="onPrev" delay="0">
+                  <p:tgtEl>
+                    <p:sldTgt/>
+                  </p:tgtEl>
+                </p:cond>
+              </p:prevCondLst>
+              <p:nextCondLst>
+                <p:cond evt="onNext" delay="0">
+                  <p:tgtEl>
+                    <p:sldTgt/>
+                  </p:tgtEl>
+                </p:cond>
+              </p:nextCondLst>
+            </p:seq>
+          </p:childTnLst>
+        </p:cTn>
+      </p:par>
+    </p:tnLst>
+  </p:timing>
 </p:sld>
 </file>
 
